--- a/spring/docs/09-spring-rest.pptx
+++ b/spring/docs/09-spring-rest.pptx
@@ -6,12 +6,18 @@
     <p:sldMasterId id="2147483660" r:id="rId2"/>
   </p:sldMasterIdLst>
   <p:notesMasterIdLst>
-    <p:notesMasterId r:id="rId6"/>
+    <p:notesMasterId r:id="rId12"/>
   </p:notesMasterIdLst>
   <p:sldIdLst>
     <p:sldId id="256" r:id="rId3"/>
     <p:sldId id="262" r:id="rId4"/>
-    <p:sldId id="261" r:id="rId5"/>
+    <p:sldId id="263" r:id="rId5"/>
+    <p:sldId id="264" r:id="rId6"/>
+    <p:sldId id="265" r:id="rId7"/>
+    <p:sldId id="266" r:id="rId8"/>
+    <p:sldId id="267" r:id="rId9"/>
+    <p:sldId id="268" r:id="rId10"/>
+    <p:sldId id="261" r:id="rId11"/>
   </p:sldIdLst>
   <p:sldSz cx="9144000" cy="6858000" type="screen4x3"/>
   <p:notesSz cx="6858000" cy="9144000"/>
@@ -195,7 +201,7 @@
           <a:p>
             <a:fld id="{D6CB015B-B7FF-4093-8E19-9AD7339689D2}" type="datetimeFigureOut">
               <a:rPr lang="zh-CN" altLang="en-US" smtClean="0"/>
-              <a:t>2017/12/20</a:t>
+              <a:t>2017/12/22</a:t>
             </a:fld>
             <a:endParaRPr lang="zh-CN" altLang="en-US"/>
           </a:p>
@@ -550,7 +556,7 @@
             <a:fld id="{96901A81-0F01-4EEE-B1B8-8AAFCC661EC4}" type="slidenum">
               <a:rPr lang="zh-CN" altLang="en-US" smtClean="0"/>
               <a:pPr/>
-              <a:t>3</a:t>
+              <a:t>9</a:t>
             </a:fld>
             <a:endParaRPr lang="zh-CN" altLang="en-US"/>
           </a:p>
@@ -2165,7 +2171,7 @@
             <a:fld id="{B35E7478-ADE7-4480-A214-01473DFE0029}" type="datetimeFigureOut">
               <a:rPr lang="zh-CN" altLang="en-US" smtClean="0"/>
               <a:pPr/>
-              <a:t>2017/12/20</a:t>
+              <a:t>2017/12/22</a:t>
             </a:fld>
             <a:endParaRPr lang="zh-CN" altLang="en-US"/>
           </a:p>
@@ -6030,7 +6036,7 @@
             <a:fld id="{B35E7478-ADE7-4480-A214-01473DFE0029}" type="datetimeFigureOut">
               <a:rPr lang="zh-CN" altLang="en-US" smtClean="0"/>
               <a:pPr/>
-              <a:t>2017/12/20</a:t>
+              <a:t>2017/12/22</a:t>
             </a:fld>
             <a:endParaRPr lang="zh-CN" altLang="en-US"/>
           </a:p>
@@ -7698,7 +7704,7 @@
             <a:fld id="{B35E7478-ADE7-4480-A214-01473DFE0029}" type="datetimeFigureOut">
               <a:rPr lang="zh-CN" altLang="en-US" smtClean="0"/>
               <a:pPr/>
-              <a:t>2017/12/20</a:t>
+              <a:t>2017/12/22</a:t>
             </a:fld>
             <a:endParaRPr lang="zh-CN" altLang="en-US"/>
           </a:p>
@@ -12002,7 +12008,7 @@
                 </a:solidFill>
               </a:rPr>
               <a:pPr/>
-              <a:t>2017/12/20</a:t>
+              <a:t>2017/12/22</a:t>
             </a:fld>
             <a:endParaRPr lang="zh-CN" altLang="en-US">
               <a:solidFill>
@@ -15920,7 +15926,7 @@
                 </a:solidFill>
               </a:rPr>
               <a:pPr/>
-              <a:t>2017/12/20</a:t>
+              <a:t>2017/12/22</a:t>
             </a:fld>
             <a:endParaRPr lang="zh-CN" altLang="en-US">
               <a:solidFill>
@@ -21771,7 +21777,7 @@
                 </a:solidFill>
               </a:rPr>
               <a:pPr/>
-              <a:t>2017/12/20</a:t>
+              <a:t>2017/12/22</a:t>
             </a:fld>
             <a:endParaRPr lang="zh-CN" altLang="en-US">
               <a:solidFill>
@@ -22361,7 +22367,7 @@
                 </a:solidFill>
               </a:rPr>
               <a:pPr/>
-              <a:t>2017/12/20</a:t>
+              <a:t>2017/12/22</a:t>
             </a:fld>
             <a:endParaRPr lang="zh-CN" altLang="en-US">
               <a:solidFill>
@@ -26065,7 +26071,7 @@
                 </a:solidFill>
               </a:rPr>
               <a:pPr/>
-              <a:t>2017/12/20</a:t>
+              <a:t>2017/12/22</a:t>
             </a:fld>
             <a:endParaRPr lang="zh-CN" altLang="en-US">
               <a:solidFill>
@@ -26199,7 +26205,7 @@
                 </a:solidFill>
               </a:rPr>
               <a:pPr/>
-              <a:t>2017/12/20</a:t>
+              <a:t>2017/12/22</a:t>
             </a:fld>
             <a:endParaRPr lang="zh-CN" altLang="en-US">
               <a:solidFill>
@@ -27028,7 +27034,7 @@
             <a:fld id="{B35E7478-ADE7-4480-A214-01473DFE0029}" type="datetimeFigureOut">
               <a:rPr lang="zh-CN" altLang="en-US" smtClean="0"/>
               <a:pPr/>
-              <a:t>2017/12/20</a:t>
+              <a:t>2017/12/22</a:t>
             </a:fld>
             <a:endParaRPr lang="zh-CN" altLang="en-US"/>
           </a:p>
@@ -32356,7 +32362,7 @@
             <a:fld id="{B35E7478-ADE7-4480-A214-01473DFE0029}" type="datetimeFigureOut">
               <a:rPr lang="zh-CN" altLang="en-US" smtClean="0"/>
               <a:pPr/>
-              <a:t>2017/12/20</a:t>
+              <a:t>2017/12/22</a:t>
             </a:fld>
             <a:endParaRPr lang="zh-CN" altLang="en-US"/>
           </a:p>
@@ -37710,7 +37716,7 @@
             <a:fld id="{B35E7478-ADE7-4480-A214-01473DFE0029}" type="datetimeFigureOut">
               <a:rPr lang="zh-CN" altLang="en-US" smtClean="0"/>
               <a:pPr/>
-              <a:t>2017/12/20</a:t>
+              <a:t>2017/12/22</a:t>
             </a:fld>
             <a:endParaRPr lang="zh-CN" altLang="en-US"/>
           </a:p>
@@ -37807,7 +37813,7 @@
             <a:fld id="{B35E7478-ADE7-4480-A214-01473DFE0029}" type="datetimeFigureOut">
               <a:rPr lang="zh-CN" altLang="en-US" smtClean="0"/>
               <a:pPr/>
-              <a:t>2017/12/20</a:t>
+              <a:t>2017/12/22</a:t>
             </a:fld>
             <a:endParaRPr lang="zh-CN" altLang="en-US"/>
           </a:p>
@@ -38093,7 +38099,7 @@
             <a:fld id="{B35E7478-ADE7-4480-A214-01473DFE0029}" type="datetimeFigureOut">
               <a:rPr lang="zh-CN" altLang="en-US" smtClean="0"/>
               <a:pPr/>
-              <a:t>2017/12/20</a:t>
+              <a:t>2017/12/22</a:t>
             </a:fld>
             <a:endParaRPr lang="zh-CN" altLang="en-US"/>
           </a:p>
@@ -38348,7 +38354,7 @@
             <a:fld id="{B35E7478-ADE7-4480-A214-01473DFE0029}" type="datetimeFigureOut">
               <a:rPr lang="zh-CN" altLang="en-US" smtClean="0"/>
               <a:pPr/>
-              <a:t>2017/12/20</a:t>
+              <a:t>2017/12/22</a:t>
             </a:fld>
             <a:endParaRPr lang="zh-CN" altLang="en-US"/>
           </a:p>
@@ -38520,7 +38526,7 @@
             <a:fld id="{B35E7478-ADE7-4480-A214-01473DFE0029}" type="datetimeFigureOut">
               <a:rPr lang="zh-CN" altLang="en-US" smtClean="0"/>
               <a:pPr/>
-              <a:t>2017/12/20</a:t>
+              <a:t>2017/12/22</a:t>
             </a:fld>
             <a:endParaRPr lang="zh-CN" altLang="en-US"/>
           </a:p>
@@ -38747,7 +38753,7 @@
             <a:fld id="{B35E7478-ADE7-4480-A214-01473DFE0029}" type="datetimeFigureOut">
               <a:rPr lang="zh-CN" altLang="en-US" smtClean="0"/>
               <a:pPr/>
-              <a:t>2017/12/20</a:t>
+              <a:t>2017/12/22</a:t>
             </a:fld>
             <a:endParaRPr lang="zh-CN" altLang="en-US"/>
           </a:p>
@@ -39283,7 +39289,7 @@
                 </a:solidFill>
               </a:rPr>
               <a:pPr/>
-              <a:t>2017/12/20</a:t>
+              <a:t>2017/12/22</a:t>
             </a:fld>
             <a:endParaRPr lang="zh-CN" altLang="en-US">
               <a:solidFill>
@@ -39774,7 +39780,131 @@
       </p:grpSpPr>
       <p:sp>
         <p:nvSpPr>
-          <p:cNvPr id="2" name="标题 1"/>
+          <p:cNvPr id="6146" name="内容占位符 1"/>
+          <p:cNvSpPr>
+            <a:spLocks noGrp="1"/>
+          </p:cNvSpPr>
+          <p:nvPr>
+            <p:ph idx="1"/>
+          </p:nvPr>
+        </p:nvSpPr>
+        <p:spPr>
+          <a:xfrm>
+            <a:off x="428625" y="1143000"/>
+            <a:ext cx="8429625" cy="4525963"/>
+          </a:xfrm>
+        </p:spPr>
+        <p:txBody>
+          <a:bodyPr/>
+          <a:lstStyle/>
+          <a:p>
+            <a:pPr eaLnBrk="1" hangingPunct="1"/>
+            <a:r>
+              <a:rPr lang="en-US" altLang="zh-CN" sz="2800" smtClean="0"/>
+              <a:t>REST</a:t>
+            </a:r>
+            <a:r>
+              <a:rPr lang="zh-CN" altLang="en-US" sz="2800" smtClean="0"/>
+              <a:t>是</a:t>
+            </a:r>
+            <a:r>
+              <a:rPr lang="en-US" altLang="zh-CN" sz="2800" smtClean="0"/>
+              <a:t>REpresentation State Transfer</a:t>
+            </a:r>
+            <a:r>
+              <a:rPr lang="zh-CN" altLang="en-US" sz="2800" smtClean="0"/>
+              <a:t>的缩写，译作</a:t>
+            </a:r>
+            <a:r>
+              <a:rPr lang="en-US" altLang="zh-CN" sz="2800" smtClean="0"/>
+              <a:t>:</a:t>
+            </a:r>
+            <a:r>
+              <a:rPr lang="zh-CN" altLang="en-US" sz="2800" smtClean="0"/>
+              <a:t>表述性状态转移</a:t>
+            </a:r>
+            <a:endParaRPr lang="en-US" altLang="zh-CN" sz="2800" smtClean="0"/>
+          </a:p>
+          <a:p>
+            <a:pPr lvl="1" eaLnBrk="1" hangingPunct="1"/>
+            <a:r>
+              <a:rPr lang="zh-CN" altLang="en-US" sz="2400" smtClean="0"/>
+              <a:t>资源（</a:t>
+            </a:r>
+            <a:r>
+              <a:rPr lang="en-US" altLang="zh-CN" sz="2400" smtClean="0"/>
+              <a:t>Resource</a:t>
+            </a:r>
+            <a:r>
+              <a:rPr lang="zh-CN" altLang="en-US" sz="2400" smtClean="0"/>
+              <a:t>）</a:t>
+            </a:r>
+          </a:p>
+          <a:p>
+            <a:pPr lvl="1" eaLnBrk="1" hangingPunct="1"/>
+            <a:r>
+              <a:rPr lang="zh-CN" altLang="en-US" sz="2400" smtClean="0"/>
+              <a:t>资源的表述（</a:t>
+            </a:r>
+            <a:r>
+              <a:rPr lang="en-US" altLang="zh-CN" sz="2400" smtClean="0"/>
+              <a:t>Representation</a:t>
+            </a:r>
+            <a:r>
+              <a:rPr lang="zh-CN" altLang="en-US" sz="2400" smtClean="0"/>
+              <a:t>）</a:t>
+            </a:r>
+          </a:p>
+          <a:p>
+            <a:pPr lvl="1" eaLnBrk="1" hangingPunct="1"/>
+            <a:r>
+              <a:rPr lang="zh-CN" altLang="en-US" sz="2400" smtClean="0"/>
+              <a:t>状态转移（</a:t>
+            </a:r>
+            <a:r>
+              <a:rPr lang="en-US" altLang="zh-CN" sz="2400" smtClean="0"/>
+              <a:t>State Transfer</a:t>
+            </a:r>
+            <a:r>
+              <a:rPr lang="zh-CN" altLang="en-US" sz="2400" smtClean="0"/>
+              <a:t>）</a:t>
+            </a:r>
+          </a:p>
+          <a:p>
+            <a:pPr lvl="1" eaLnBrk="1" hangingPunct="1"/>
+            <a:r>
+              <a:rPr lang="zh-CN" altLang="en-US" sz="2400" smtClean="0"/>
+              <a:t>统一接口（</a:t>
+            </a:r>
+            <a:r>
+              <a:rPr lang="en-US" altLang="zh-CN" sz="2400" smtClean="0"/>
+              <a:t>Uniform Interface</a:t>
+            </a:r>
+            <a:r>
+              <a:rPr lang="zh-CN" altLang="en-US" sz="2400" smtClean="0"/>
+              <a:t>）</a:t>
+            </a:r>
+          </a:p>
+          <a:p>
+            <a:pPr lvl="1" eaLnBrk="1" hangingPunct="1"/>
+            <a:r>
+              <a:rPr lang="zh-CN" altLang="en-US" sz="2400" smtClean="0"/>
+              <a:t>超文本驱动（</a:t>
+            </a:r>
+            <a:r>
+              <a:rPr lang="en-US" altLang="zh-CN" sz="2400" smtClean="0"/>
+              <a:t>Hypertext Driven</a:t>
+            </a:r>
+            <a:r>
+              <a:rPr lang="zh-CN" altLang="en-US" sz="2400" smtClean="0"/>
+              <a:t>）</a:t>
+            </a:r>
+          </a:p>
+        </p:txBody>
+      </p:sp>
+      <p:sp>
+        <p:nvSpPr>
+          <p:cNvPr id="3" name="标题 2"/>
           <p:cNvSpPr>
             <a:spLocks noGrp="1"/>
           </p:cNvSpPr>
@@ -39782,20 +39912,75 @@
             <p:ph type="title"/>
           </p:nvPr>
         </p:nvSpPr>
-        <p:spPr/>
+        <p:spPr>
+          <a:xfrm>
+            <a:off x="34925" y="188913"/>
+            <a:ext cx="8229600" cy="571500"/>
+          </a:xfrm>
+        </p:spPr>
         <p:txBody>
-          <a:bodyPr>
-            <a:normAutofit fontScale="90000"/>
-          </a:bodyPr>
+          <a:bodyPr/>
           <a:lstStyle/>
           <a:p>
-            <a:endParaRPr lang="zh-CN" altLang="en-US"/>
+            <a:pPr eaLnBrk="1" hangingPunct="1">
+              <a:defRPr/>
+            </a:pPr>
+            <a:r>
+              <a:rPr lang="zh-CN" altLang="en-US" dirty="0" smtClean="0"/>
+              <a:t>什么是</a:t>
+            </a:r>
+            <a:r>
+              <a:rPr lang="en-US" altLang="zh-CN" dirty="0" smtClean="0"/>
+              <a:t>REST</a:t>
+            </a:r>
+            <a:r>
+              <a:rPr lang="zh-CN" altLang="en-US" dirty="0" smtClean="0"/>
+              <a:t>服务</a:t>
+            </a:r>
+            <a:endParaRPr lang="zh-CN" altLang="en-US" dirty="0"/>
           </a:p>
         </p:txBody>
       </p:sp>
+    </p:spTree>
+    <p:extLst>
+      <p:ext uri="{BB962C8B-B14F-4D97-AF65-F5344CB8AC3E}">
+        <p14:creationId xmlns:p14="http://schemas.microsoft.com/office/powerpoint/2010/main" val="1926034973"/>
+      </p:ext>
+    </p:extLst>
+  </p:cSld>
+  <p:clrMapOvr>
+    <a:masterClrMapping/>
+  </p:clrMapOvr>
+  <p:timing>
+    <p:tnLst>
+      <p:par>
+        <p:cTn id="1" dur="indefinite" restart="never" nodeType="tmRoot"/>
+      </p:par>
+    </p:tnLst>
+  </p:timing>
+</p:sld>
+</file>
+
+<file path=ppt/slides/slide3.xml><?xml version="1.0" encoding="utf-8"?>
+<p:sld xmlns:a="http://schemas.openxmlformats.org/drawingml/2006/main" xmlns:r="http://schemas.openxmlformats.org/officeDocument/2006/relationships" xmlns:p="http://schemas.openxmlformats.org/presentationml/2006/main">
+  <p:cSld>
+    <p:spTree>
+      <p:nvGrpSpPr>
+        <p:cNvPr id="1" name=""/>
+        <p:cNvGrpSpPr/>
+        <p:nvPr/>
+      </p:nvGrpSpPr>
+      <p:grpSpPr>
+        <a:xfrm>
+          <a:off x="0" y="0"/>
+          <a:ext cx="0" cy="0"/>
+          <a:chOff x="0" y="0"/>
+          <a:chExt cx="0" cy="0"/>
+        </a:xfrm>
+      </p:grpSpPr>
       <p:sp>
         <p:nvSpPr>
-          <p:cNvPr id="3" name="内容占位符 2"/>
+          <p:cNvPr id="7170" name="内容占位符 1"/>
           <p:cNvSpPr>
             <a:spLocks noGrp="1"/>
           </p:cNvSpPr>
@@ -39803,29 +39988,987 @@
             <p:ph idx="1"/>
           </p:nvPr>
         </p:nvSpPr>
-        <p:spPr/>
+        <p:spPr>
+          <a:xfrm>
+            <a:off x="428625" y="1143000"/>
+            <a:ext cx="8429625" cy="4525963"/>
+          </a:xfrm>
+        </p:spPr>
         <p:txBody>
           <a:bodyPr/>
           <a:lstStyle/>
           <a:p>
-            <a:endParaRPr lang="zh-CN" altLang="en-US"/>
+            <a:r>
+              <a:rPr lang="zh-CN" altLang="en-US" sz="2800" smtClean="0"/>
+              <a:t>资源是一种看待服务器的方式</a:t>
+            </a:r>
+            <a:endParaRPr lang="en-US" altLang="zh-CN" sz="2800" smtClean="0"/>
+          </a:p>
+          <a:p>
+            <a:pPr lvl="1"/>
+            <a:r>
+              <a:rPr lang="zh-CN" altLang="en-US" sz="2400" smtClean="0"/>
+              <a:t>将服务器看作是由很多离散的资源组成。</a:t>
+            </a:r>
+          </a:p>
+          <a:p>
+            <a:r>
+              <a:rPr lang="zh-CN" altLang="en-US" sz="2800" smtClean="0"/>
+              <a:t>每个资源是服务器上一个可命名的抽象概念。</a:t>
+            </a:r>
+          </a:p>
+          <a:p>
+            <a:r>
+              <a:rPr lang="zh-CN" altLang="en-US" sz="2800" smtClean="0"/>
+              <a:t>资源是以名词为核心来组织的。</a:t>
+            </a:r>
+          </a:p>
+          <a:p>
+            <a:r>
+              <a:rPr lang="zh-CN" altLang="en-US" sz="2800" smtClean="0"/>
+              <a:t>一个资源可以由一个或多个</a:t>
+            </a:r>
+            <a:r>
+              <a:rPr lang="en-US" altLang="zh-CN" sz="2800" smtClean="0"/>
+              <a:t>URI</a:t>
+            </a:r>
+            <a:r>
+              <a:rPr lang="zh-CN" altLang="en-US" sz="2800" smtClean="0"/>
+              <a:t>来标识。</a:t>
+            </a:r>
+            <a:endParaRPr lang="en-US" altLang="zh-CN" sz="2800" smtClean="0"/>
+          </a:p>
+          <a:p>
+            <a:pPr lvl="1"/>
+            <a:r>
+              <a:rPr lang="en-US" altLang="zh-CN" sz="2400" smtClean="0"/>
+              <a:t>marketing/users</a:t>
+            </a:r>
+          </a:p>
+          <a:p>
+            <a:pPr lvl="1"/>
+            <a:r>
+              <a:rPr lang="en-US" altLang="zh-CN" sz="2400" smtClean="0"/>
+              <a:t>marketing/users/1111</a:t>
+            </a:r>
+          </a:p>
+          <a:p>
+            <a:r>
+              <a:rPr lang="zh-CN" altLang="en-US" sz="2800" smtClean="0"/>
+              <a:t>对某个资源感兴趣的客户端应用，可以通过资源的</a:t>
+            </a:r>
+            <a:r>
+              <a:rPr lang="en-US" altLang="zh-CN" sz="2800" smtClean="0"/>
+              <a:t>URI</a:t>
+            </a:r>
+            <a:r>
+              <a:rPr lang="zh-CN" altLang="en-US" sz="2800" smtClean="0"/>
+              <a:t>与其进行交互。</a:t>
+            </a:r>
+          </a:p>
+          <a:p>
+            <a:endParaRPr lang="zh-CN" altLang="en-US" sz="2800" smtClean="0"/>
+          </a:p>
+        </p:txBody>
+      </p:sp>
+      <p:sp>
+        <p:nvSpPr>
+          <p:cNvPr id="7171" name="标题 2"/>
+          <p:cNvSpPr>
+            <a:spLocks noGrp="1"/>
+          </p:cNvSpPr>
+          <p:nvPr>
+            <p:ph type="title"/>
+          </p:nvPr>
+        </p:nvSpPr>
+        <p:spPr bwMode="auto">
+          <a:xfrm>
+            <a:off x="34925" y="188913"/>
+            <a:ext cx="8229600" cy="571500"/>
+          </a:xfrm>
+        </p:spPr>
+        <p:txBody>
+          <a:bodyPr wrap="square" numCol="1" anchorCtr="0" compatLnSpc="1">
+            <a:prstTxWarp prst="textNoShape">
+              <a:avLst/>
+            </a:prstTxWarp>
+          </a:bodyPr>
+          <a:lstStyle/>
+          <a:p>
+            <a:pPr marL="342900" indent="-342900"/>
+            <a:r>
+              <a:rPr lang="zh-CN" altLang="en-US" smtClean="0">
+                <a:effectLst/>
+              </a:rPr>
+              <a:t>资源（</a:t>
+            </a:r>
+            <a:r>
+              <a:rPr lang="en-US" altLang="zh-CN" smtClean="0">
+                <a:effectLst/>
+              </a:rPr>
+              <a:t>Resource</a:t>
+            </a:r>
+            <a:r>
+              <a:rPr lang="zh-CN" altLang="en-US" smtClean="0">
+                <a:effectLst/>
+              </a:rPr>
+              <a:t>）</a:t>
+            </a:r>
           </a:p>
         </p:txBody>
       </p:sp>
     </p:spTree>
     <p:extLst>
       <p:ext uri="{BB962C8B-B14F-4D97-AF65-F5344CB8AC3E}">
-        <p14:creationId xmlns:p14="http://schemas.microsoft.com/office/powerpoint/2010/main" val="3288246481"/>
+        <p14:creationId xmlns:p14="http://schemas.microsoft.com/office/powerpoint/2010/main" val="1570014645"/>
       </p:ext>
     </p:extLst>
   </p:cSld>
   <p:clrMapOvr>
     <a:masterClrMapping/>
   </p:clrMapOvr>
+  <p:timing>
+    <p:tnLst>
+      <p:par>
+        <p:cTn id="1" dur="indefinite" restart="never" nodeType="tmRoot"/>
+      </p:par>
+    </p:tnLst>
+  </p:timing>
 </p:sld>
 </file>
 
-<file path=ppt/slides/slide3.xml><?xml version="1.0" encoding="utf-8"?>
+<file path=ppt/slides/slide4.xml><?xml version="1.0" encoding="utf-8"?>
+<p:sld xmlns:a="http://schemas.openxmlformats.org/drawingml/2006/main" xmlns:r="http://schemas.openxmlformats.org/officeDocument/2006/relationships" xmlns:p="http://schemas.openxmlformats.org/presentationml/2006/main">
+  <p:cSld>
+    <p:spTree>
+      <p:nvGrpSpPr>
+        <p:cNvPr id="1" name=""/>
+        <p:cNvGrpSpPr/>
+        <p:nvPr/>
+      </p:nvGrpSpPr>
+      <p:grpSpPr>
+        <a:xfrm>
+          <a:off x="0" y="0"/>
+          <a:ext cx="0" cy="0"/>
+          <a:chOff x="0" y="0"/>
+          <a:chExt cx="0" cy="0"/>
+        </a:xfrm>
+      </p:grpSpPr>
+      <p:sp>
+        <p:nvSpPr>
+          <p:cNvPr id="8194" name="内容占位符 1"/>
+          <p:cNvSpPr>
+            <a:spLocks noGrp="1"/>
+          </p:cNvSpPr>
+          <p:nvPr>
+            <p:ph idx="1"/>
+          </p:nvPr>
+        </p:nvSpPr>
+        <p:spPr>
+          <a:xfrm>
+            <a:off x="428625" y="1143000"/>
+            <a:ext cx="8429625" cy="4525963"/>
+          </a:xfrm>
+        </p:spPr>
+        <p:txBody>
+          <a:bodyPr/>
+          <a:lstStyle/>
+          <a:p>
+            <a:r>
+              <a:rPr lang="zh-CN" altLang="en-US" sz="2800" smtClean="0"/>
+              <a:t>是一段对于资源在某个特定时刻的状态的描述。</a:t>
+            </a:r>
+          </a:p>
+          <a:p>
+            <a:pPr lvl="1"/>
+            <a:r>
+              <a:rPr lang="en-US" altLang="zh-CN" sz="2400" smtClean="0"/>
+              <a:t>HTML</a:t>
+            </a:r>
+          </a:p>
+          <a:p>
+            <a:pPr lvl="1"/>
+            <a:r>
+              <a:rPr lang="en-US" altLang="zh-CN" sz="2400" smtClean="0"/>
+              <a:t>XML</a:t>
+            </a:r>
+          </a:p>
+          <a:p>
+            <a:pPr lvl="1"/>
+            <a:r>
+              <a:rPr lang="en-US" altLang="zh-CN" sz="2400" smtClean="0"/>
+              <a:t>JSON</a:t>
+            </a:r>
+          </a:p>
+          <a:p>
+            <a:pPr lvl="1"/>
+            <a:r>
+              <a:rPr lang="zh-CN" altLang="en-US" sz="2400" smtClean="0"/>
+              <a:t>图片</a:t>
+            </a:r>
+            <a:endParaRPr lang="en-US" altLang="zh-CN" sz="2400" smtClean="0"/>
+          </a:p>
+          <a:p>
+            <a:pPr lvl="1"/>
+            <a:r>
+              <a:rPr lang="zh-CN" altLang="en-US" sz="2400" smtClean="0"/>
+              <a:t>视频</a:t>
+            </a:r>
+            <a:endParaRPr lang="en-US" altLang="zh-CN" sz="2400" smtClean="0"/>
+          </a:p>
+          <a:p>
+            <a:pPr lvl="1"/>
+            <a:r>
+              <a:rPr lang="zh-CN" altLang="en-US" sz="2400" smtClean="0"/>
+              <a:t>音频</a:t>
+            </a:r>
+            <a:endParaRPr lang="en-US" altLang="zh-CN" sz="2400" smtClean="0"/>
+          </a:p>
+          <a:p>
+            <a:pPr lvl="1"/>
+            <a:r>
+              <a:rPr lang="en-US" altLang="zh-CN" sz="2400" smtClean="0"/>
+              <a:t>etc.</a:t>
+            </a:r>
+            <a:endParaRPr lang="zh-CN" altLang="en-US" sz="2400" smtClean="0"/>
+          </a:p>
+          <a:p>
+            <a:r>
+              <a:rPr lang="zh-CN" altLang="en-US" sz="2800" smtClean="0"/>
+              <a:t>可以在客户端</a:t>
+            </a:r>
+            <a:r>
+              <a:rPr lang="en-US" altLang="zh-CN" sz="2800" smtClean="0"/>
+              <a:t>-</a:t>
+            </a:r>
+            <a:r>
+              <a:rPr lang="zh-CN" altLang="en-US" sz="2800" smtClean="0"/>
+              <a:t>服务器端之间转移（交换）</a:t>
+            </a:r>
+          </a:p>
+          <a:p>
+            <a:endParaRPr lang="zh-CN" altLang="en-US" sz="2800" smtClean="0"/>
+          </a:p>
+        </p:txBody>
+      </p:sp>
+      <p:sp>
+        <p:nvSpPr>
+          <p:cNvPr id="3" name="标题 2"/>
+          <p:cNvSpPr>
+            <a:spLocks noGrp="1"/>
+          </p:cNvSpPr>
+          <p:nvPr>
+            <p:ph type="title"/>
+          </p:nvPr>
+        </p:nvSpPr>
+        <p:spPr>
+          <a:xfrm>
+            <a:off x="34925" y="188913"/>
+            <a:ext cx="8229600" cy="571500"/>
+          </a:xfrm>
+        </p:spPr>
+        <p:txBody>
+          <a:bodyPr/>
+          <a:lstStyle/>
+          <a:p>
+            <a:pPr>
+              <a:defRPr/>
+            </a:pPr>
+            <a:r>
+              <a:rPr lang="zh-CN" altLang="en-US" dirty="0" smtClean="0"/>
+              <a:t>资源的表述（</a:t>
+            </a:r>
+            <a:r>
+              <a:rPr lang="en-US" altLang="zh-CN" dirty="0" smtClean="0"/>
+              <a:t>Representation</a:t>
+            </a:r>
+            <a:r>
+              <a:rPr lang="zh-CN" altLang="en-US" dirty="0" smtClean="0"/>
+              <a:t>）</a:t>
+            </a:r>
+            <a:endParaRPr lang="zh-CN" altLang="en-US" dirty="0"/>
+          </a:p>
+        </p:txBody>
+      </p:sp>
+    </p:spTree>
+    <p:extLst>
+      <p:ext uri="{BB962C8B-B14F-4D97-AF65-F5344CB8AC3E}">
+        <p14:creationId xmlns:p14="http://schemas.microsoft.com/office/powerpoint/2010/main" val="2665664221"/>
+      </p:ext>
+    </p:extLst>
+  </p:cSld>
+  <p:clrMapOvr>
+    <a:masterClrMapping/>
+  </p:clrMapOvr>
+  <p:timing>
+    <p:tnLst>
+      <p:par>
+        <p:cTn id="1" dur="indefinite" restart="never" nodeType="tmRoot"/>
+      </p:par>
+    </p:tnLst>
+  </p:timing>
+</p:sld>
+</file>
+
+<file path=ppt/slides/slide5.xml><?xml version="1.0" encoding="utf-8"?>
+<p:sld xmlns:a="http://schemas.openxmlformats.org/drawingml/2006/main" xmlns:r="http://schemas.openxmlformats.org/officeDocument/2006/relationships" xmlns:p="http://schemas.openxmlformats.org/presentationml/2006/main">
+  <p:cSld>
+    <p:spTree>
+      <p:nvGrpSpPr>
+        <p:cNvPr id="1" name=""/>
+        <p:cNvGrpSpPr/>
+        <p:nvPr/>
+      </p:nvGrpSpPr>
+      <p:grpSpPr>
+        <a:xfrm>
+          <a:off x="0" y="0"/>
+          <a:ext cx="0" cy="0"/>
+          <a:chOff x="0" y="0"/>
+          <a:chExt cx="0" cy="0"/>
+        </a:xfrm>
+      </p:grpSpPr>
+      <p:sp>
+        <p:nvSpPr>
+          <p:cNvPr id="9218" name="内容占位符 1"/>
+          <p:cNvSpPr>
+            <a:spLocks noGrp="1"/>
+          </p:cNvSpPr>
+          <p:nvPr>
+            <p:ph idx="1"/>
+          </p:nvPr>
+        </p:nvSpPr>
+        <p:spPr>
+          <a:xfrm>
+            <a:off x="428625" y="1143000"/>
+            <a:ext cx="8429625" cy="4525963"/>
+          </a:xfrm>
+        </p:spPr>
+        <p:txBody>
+          <a:bodyPr/>
+          <a:lstStyle/>
+          <a:p>
+            <a:r>
+              <a:rPr lang="zh-CN" altLang="en-US" smtClean="0"/>
+              <a:t>在客户端和服务器端之间转移（</a:t>
+            </a:r>
+            <a:r>
+              <a:rPr lang="en-US" altLang="zh-CN" smtClean="0"/>
+              <a:t>transfer</a:t>
+            </a:r>
+            <a:r>
+              <a:rPr lang="zh-CN" altLang="en-US" smtClean="0"/>
+              <a:t>）代表资源状态的表述。</a:t>
+            </a:r>
+          </a:p>
+          <a:p>
+            <a:r>
+              <a:rPr lang="zh-CN" altLang="en-US" smtClean="0"/>
+              <a:t>通过转移和操作资源的表述，来间接实现操作资源的目的。</a:t>
+            </a:r>
+          </a:p>
+          <a:p>
+            <a:endParaRPr lang="zh-CN" altLang="en-US" smtClean="0"/>
+          </a:p>
+        </p:txBody>
+      </p:sp>
+      <p:sp>
+        <p:nvSpPr>
+          <p:cNvPr id="3" name="标题 2"/>
+          <p:cNvSpPr>
+            <a:spLocks noGrp="1"/>
+          </p:cNvSpPr>
+          <p:nvPr>
+            <p:ph type="title"/>
+          </p:nvPr>
+        </p:nvSpPr>
+        <p:spPr>
+          <a:xfrm>
+            <a:off x="34925" y="188913"/>
+            <a:ext cx="8229600" cy="571500"/>
+          </a:xfrm>
+        </p:spPr>
+        <p:txBody>
+          <a:bodyPr/>
+          <a:lstStyle/>
+          <a:p>
+            <a:pPr>
+              <a:defRPr/>
+            </a:pPr>
+            <a:r>
+              <a:rPr lang="zh-CN" altLang="en-US" dirty="0" smtClean="0"/>
+              <a:t>状态转移（</a:t>
+            </a:r>
+            <a:r>
+              <a:rPr lang="en-US" altLang="zh-CN" dirty="0" smtClean="0"/>
+              <a:t>State Transfer</a:t>
+            </a:r>
+            <a:r>
+              <a:rPr lang="zh-CN" altLang="en-US" dirty="0" smtClean="0"/>
+              <a:t>）</a:t>
+            </a:r>
+            <a:endParaRPr lang="zh-CN" altLang="en-US" dirty="0"/>
+          </a:p>
+        </p:txBody>
+      </p:sp>
+    </p:spTree>
+    <p:extLst>
+      <p:ext uri="{BB962C8B-B14F-4D97-AF65-F5344CB8AC3E}">
+        <p14:creationId xmlns:p14="http://schemas.microsoft.com/office/powerpoint/2010/main" val="251100125"/>
+      </p:ext>
+    </p:extLst>
+  </p:cSld>
+  <p:clrMapOvr>
+    <a:masterClrMapping/>
+  </p:clrMapOvr>
+  <p:timing>
+    <p:tnLst>
+      <p:par>
+        <p:cTn id="1" dur="indefinite" restart="never" nodeType="tmRoot"/>
+      </p:par>
+    </p:tnLst>
+  </p:timing>
+</p:sld>
+</file>
+
+<file path=ppt/slides/slide6.xml><?xml version="1.0" encoding="utf-8"?>
+<p:sld xmlns:a="http://schemas.openxmlformats.org/drawingml/2006/main" xmlns:r="http://schemas.openxmlformats.org/officeDocument/2006/relationships" xmlns:p="http://schemas.openxmlformats.org/presentationml/2006/main">
+  <p:cSld>
+    <p:spTree>
+      <p:nvGrpSpPr>
+        <p:cNvPr id="1" name=""/>
+        <p:cNvGrpSpPr/>
+        <p:nvPr/>
+      </p:nvGrpSpPr>
+      <p:grpSpPr>
+        <a:xfrm>
+          <a:off x="0" y="0"/>
+          <a:ext cx="0" cy="0"/>
+          <a:chOff x="0" y="0"/>
+          <a:chExt cx="0" cy="0"/>
+        </a:xfrm>
+      </p:grpSpPr>
+      <p:sp>
+        <p:nvSpPr>
+          <p:cNvPr id="10242" name="内容占位符 1"/>
+          <p:cNvSpPr>
+            <a:spLocks noGrp="1"/>
+          </p:cNvSpPr>
+          <p:nvPr>
+            <p:ph idx="1"/>
+          </p:nvPr>
+        </p:nvSpPr>
+        <p:spPr>
+          <a:xfrm>
+            <a:off x="428625" y="1143000"/>
+            <a:ext cx="8429625" cy="4525963"/>
+          </a:xfrm>
+        </p:spPr>
+        <p:txBody>
+          <a:bodyPr/>
+          <a:lstStyle/>
+          <a:p>
+            <a:r>
+              <a:rPr lang="zh-CN" altLang="en-US" sz="2800" smtClean="0"/>
+              <a:t>通过统一的接口来对资源执行各种操作。</a:t>
+            </a:r>
+            <a:endParaRPr lang="en-US" altLang="zh-CN" sz="2800" smtClean="0"/>
+          </a:p>
+          <a:p>
+            <a:pPr lvl="1"/>
+            <a:r>
+              <a:rPr lang="en-US" altLang="zh-CN" sz="2400" smtClean="0"/>
+              <a:t>GET</a:t>
+            </a:r>
+          </a:p>
+          <a:p>
+            <a:pPr lvl="2"/>
+            <a:r>
+              <a:rPr lang="zh-CN" altLang="zh-CN" sz="2000" smtClean="0"/>
+              <a:t>获取资源，不改变服务器的状态</a:t>
+            </a:r>
+            <a:endParaRPr lang="en-US" altLang="zh-CN" sz="2000" smtClean="0"/>
+          </a:p>
+          <a:p>
+            <a:pPr lvl="1"/>
+            <a:r>
+              <a:rPr lang="en-US" altLang="zh-CN" sz="2400" smtClean="0"/>
+              <a:t>POST</a:t>
+            </a:r>
+          </a:p>
+          <a:p>
+            <a:pPr lvl="2"/>
+            <a:r>
+              <a:rPr lang="zh-CN" altLang="zh-CN" sz="2000" smtClean="0"/>
+              <a:t>建立新的资源</a:t>
+            </a:r>
+            <a:endParaRPr lang="en-US" altLang="zh-CN" sz="2000" smtClean="0"/>
+          </a:p>
+          <a:p>
+            <a:pPr lvl="1"/>
+            <a:r>
+              <a:rPr lang="en-US" altLang="zh-CN" sz="2400" smtClean="0"/>
+              <a:t>PUT</a:t>
+            </a:r>
+          </a:p>
+          <a:p>
+            <a:pPr lvl="2"/>
+            <a:r>
+              <a:rPr lang="zh-CN" altLang="zh-CN" sz="2000" smtClean="0"/>
+              <a:t>于更新资源</a:t>
+            </a:r>
+            <a:endParaRPr lang="en-US" altLang="zh-CN" sz="2000" smtClean="0"/>
+          </a:p>
+          <a:p>
+            <a:pPr lvl="1"/>
+            <a:r>
+              <a:rPr lang="en-US" altLang="zh-CN" sz="2400" smtClean="0"/>
+              <a:t>DELETE</a:t>
+            </a:r>
+          </a:p>
+          <a:p>
+            <a:pPr lvl="2"/>
+            <a:r>
+              <a:rPr lang="zh-CN" altLang="zh-CN" sz="2000" smtClean="0"/>
+              <a:t>删除资源</a:t>
+            </a:r>
+            <a:endParaRPr lang="en-US" altLang="zh-CN" sz="2000" smtClean="0"/>
+          </a:p>
+          <a:p>
+            <a:pPr lvl="1"/>
+            <a:r>
+              <a:rPr lang="en-US" altLang="zh-CN" sz="2400" smtClean="0"/>
+              <a:t>PATCH</a:t>
+            </a:r>
+          </a:p>
+          <a:p>
+            <a:pPr lvl="2"/>
+            <a:r>
+              <a:rPr lang="zh-CN" altLang="zh-CN" sz="2000" smtClean="0"/>
+              <a:t>使用部分数据更新资源</a:t>
+            </a:r>
+            <a:endParaRPr lang="en-US" altLang="zh-CN" sz="2000" smtClean="0"/>
+          </a:p>
+        </p:txBody>
+      </p:sp>
+      <p:sp>
+        <p:nvSpPr>
+          <p:cNvPr id="3" name="标题 2"/>
+          <p:cNvSpPr>
+            <a:spLocks noGrp="1"/>
+          </p:cNvSpPr>
+          <p:nvPr>
+            <p:ph type="title"/>
+          </p:nvPr>
+        </p:nvSpPr>
+        <p:spPr>
+          <a:xfrm>
+            <a:off x="34925" y="188913"/>
+            <a:ext cx="8229600" cy="571500"/>
+          </a:xfrm>
+        </p:spPr>
+        <p:txBody>
+          <a:bodyPr/>
+          <a:lstStyle/>
+          <a:p>
+            <a:pPr>
+              <a:defRPr/>
+            </a:pPr>
+            <a:r>
+              <a:rPr lang="zh-CN" altLang="en-US" dirty="0" smtClean="0"/>
+              <a:t>统一接口（</a:t>
+            </a:r>
+            <a:r>
+              <a:rPr lang="en-US" altLang="zh-CN" dirty="0" smtClean="0"/>
+              <a:t>Uniform Interface</a:t>
+            </a:r>
+            <a:r>
+              <a:rPr lang="zh-CN" altLang="en-US" dirty="0" smtClean="0"/>
+              <a:t>）</a:t>
+            </a:r>
+            <a:endParaRPr lang="zh-CN" altLang="en-US" dirty="0"/>
+          </a:p>
+        </p:txBody>
+      </p:sp>
+    </p:spTree>
+    <p:extLst>
+      <p:ext uri="{BB962C8B-B14F-4D97-AF65-F5344CB8AC3E}">
+        <p14:creationId xmlns:p14="http://schemas.microsoft.com/office/powerpoint/2010/main" val="399811105"/>
+      </p:ext>
+    </p:extLst>
+  </p:cSld>
+  <p:clrMapOvr>
+    <a:masterClrMapping/>
+  </p:clrMapOvr>
+  <p:timing>
+    <p:tnLst>
+      <p:par>
+        <p:cTn id="1" dur="indefinite" restart="never" nodeType="tmRoot"/>
+      </p:par>
+    </p:tnLst>
+  </p:timing>
+</p:sld>
+</file>
+
+<file path=ppt/slides/slide7.xml><?xml version="1.0" encoding="utf-8"?>
+<p:sld xmlns:a="http://schemas.openxmlformats.org/drawingml/2006/main" xmlns:r="http://schemas.openxmlformats.org/officeDocument/2006/relationships" xmlns:p="http://schemas.openxmlformats.org/presentationml/2006/main">
+  <p:cSld>
+    <p:spTree>
+      <p:nvGrpSpPr>
+        <p:cNvPr id="1" name=""/>
+        <p:cNvGrpSpPr/>
+        <p:nvPr/>
+      </p:nvGrpSpPr>
+      <p:grpSpPr>
+        <a:xfrm>
+          <a:off x="0" y="0"/>
+          <a:ext cx="0" cy="0"/>
+          <a:chOff x="0" y="0"/>
+          <a:chExt cx="0" cy="0"/>
+        </a:xfrm>
+      </p:grpSpPr>
+      <p:sp>
+        <p:nvSpPr>
+          <p:cNvPr id="11266" name="内容占位符 1"/>
+          <p:cNvSpPr>
+            <a:spLocks noGrp="1"/>
+          </p:cNvSpPr>
+          <p:nvPr>
+            <p:ph idx="1"/>
+          </p:nvPr>
+        </p:nvSpPr>
+        <p:spPr>
+          <a:xfrm>
+            <a:off x="428625" y="1143000"/>
+            <a:ext cx="8429625" cy="4525963"/>
+          </a:xfrm>
+        </p:spPr>
+        <p:txBody>
+          <a:bodyPr/>
+          <a:lstStyle/>
+          <a:p>
+            <a:r>
+              <a:rPr lang="zh-CN" altLang="en-US" smtClean="0"/>
+              <a:t>通过统一的接口来对资源执行各种操作。</a:t>
+            </a:r>
+            <a:endParaRPr lang="en-US" altLang="zh-CN" smtClean="0"/>
+          </a:p>
+          <a:p>
+            <a:pPr lvl="1"/>
+            <a:r>
+              <a:rPr lang="en-US" altLang="zh-CN" sz="2400" smtClean="0"/>
+              <a:t>HEAD</a:t>
+            </a:r>
+          </a:p>
+          <a:p>
+            <a:pPr lvl="1"/>
+            <a:r>
+              <a:rPr lang="en-US" altLang="zh-CN" sz="2400" smtClean="0"/>
+              <a:t>OPTIONS</a:t>
+            </a:r>
+          </a:p>
+          <a:p>
+            <a:pPr lvl="2"/>
+            <a:r>
+              <a:rPr lang="zh-CN" altLang="en-US" sz="2000" smtClean="0"/>
+              <a:t>查看资源允许哪些操作</a:t>
+            </a:r>
+            <a:endParaRPr lang="en-US" altLang="zh-CN" sz="2000" smtClean="0"/>
+          </a:p>
+          <a:p>
+            <a:endParaRPr lang="zh-CN" altLang="en-US" smtClean="0"/>
+          </a:p>
+        </p:txBody>
+      </p:sp>
+      <p:sp>
+        <p:nvSpPr>
+          <p:cNvPr id="3" name="标题 2"/>
+          <p:cNvSpPr>
+            <a:spLocks noGrp="1"/>
+          </p:cNvSpPr>
+          <p:nvPr>
+            <p:ph type="title"/>
+          </p:nvPr>
+        </p:nvSpPr>
+        <p:spPr>
+          <a:xfrm>
+            <a:off x="34925" y="188913"/>
+            <a:ext cx="8229600" cy="571500"/>
+          </a:xfrm>
+        </p:spPr>
+        <p:txBody>
+          <a:bodyPr/>
+          <a:lstStyle/>
+          <a:p>
+            <a:pPr>
+              <a:defRPr/>
+            </a:pPr>
+            <a:r>
+              <a:rPr lang="zh-CN" altLang="en-US" dirty="0" smtClean="0"/>
+              <a:t>统一接口（</a:t>
+            </a:r>
+            <a:r>
+              <a:rPr lang="en-US" altLang="zh-CN" dirty="0" smtClean="0"/>
+              <a:t>Uniform Interface</a:t>
+            </a:r>
+            <a:r>
+              <a:rPr lang="zh-CN" altLang="en-US" dirty="0" smtClean="0"/>
+              <a:t>）</a:t>
+            </a:r>
+            <a:endParaRPr lang="zh-CN" altLang="en-US" dirty="0"/>
+          </a:p>
+        </p:txBody>
+      </p:sp>
+      <p:pic>
+        <p:nvPicPr>
+          <p:cNvPr id="11268" name="Picture 2"/>
+          <p:cNvPicPr>
+            <a:picLocks noChangeAspect="1" noChangeArrowheads="1"/>
+          </p:cNvPicPr>
+          <p:nvPr/>
+        </p:nvPicPr>
+        <p:blipFill>
+          <a:blip r:embed="rId2">
+            <a:extLst>
+              <a:ext uri="{28A0092B-C50C-407E-A947-70E740481C1C}">
+                <a14:useLocalDpi xmlns:a14="http://schemas.microsoft.com/office/drawing/2010/main" val="0"/>
+              </a:ext>
+            </a:extLst>
+          </a:blip>
+          <a:srcRect/>
+          <a:stretch>
+            <a:fillRect/>
+          </a:stretch>
+        </p:blipFill>
+        <p:spPr bwMode="auto">
+          <a:xfrm>
+            <a:off x="1600200" y="3200400"/>
+            <a:ext cx="5448300" cy="657225"/>
+          </a:xfrm>
+          <a:prstGeom prst="rect">
+            <a:avLst/>
+          </a:prstGeom>
+          <a:noFill/>
+          <a:ln>
+            <a:noFill/>
+          </a:ln>
+          <a:extLst>
+            <a:ext uri="{909E8E84-426E-40DD-AFC4-6F175D3DCCD1}">
+              <a14:hiddenFill xmlns:a14="http://schemas.microsoft.com/office/drawing/2010/main">
+                <a:solidFill>
+                  <a:srgbClr val="FFFFFF"/>
+                </a:solidFill>
+              </a14:hiddenFill>
+            </a:ext>
+            <a:ext uri="{91240B29-F687-4F45-9708-019B960494DF}">
+              <a14:hiddenLine xmlns:a14="http://schemas.microsoft.com/office/drawing/2010/main" w="9525" algn="ctr">
+                <a:solidFill>
+                  <a:srgbClr val="000000"/>
+                </a:solidFill>
+                <a:miter lim="800000"/>
+                <a:headEnd/>
+                <a:tailEnd/>
+              </a14:hiddenLine>
+            </a:ext>
+          </a:extLst>
+        </p:spPr>
+      </p:pic>
+    </p:spTree>
+    <p:extLst>
+      <p:ext uri="{BB962C8B-B14F-4D97-AF65-F5344CB8AC3E}">
+        <p14:creationId xmlns:p14="http://schemas.microsoft.com/office/powerpoint/2010/main" val="727708647"/>
+      </p:ext>
+    </p:extLst>
+  </p:cSld>
+  <p:clrMapOvr>
+    <a:masterClrMapping/>
+  </p:clrMapOvr>
+  <p:timing>
+    <p:tnLst>
+      <p:par>
+        <p:cTn id="1" dur="indefinite" restart="never" nodeType="tmRoot"/>
+      </p:par>
+    </p:tnLst>
+  </p:timing>
+</p:sld>
+</file>
+
+<file path=ppt/slides/slide8.xml><?xml version="1.0" encoding="utf-8"?>
+<p:sld xmlns:a="http://schemas.openxmlformats.org/drawingml/2006/main" xmlns:r="http://schemas.openxmlformats.org/officeDocument/2006/relationships" xmlns:p="http://schemas.openxmlformats.org/presentationml/2006/main">
+  <p:cSld>
+    <p:spTree>
+      <p:nvGrpSpPr>
+        <p:cNvPr id="1" name=""/>
+        <p:cNvGrpSpPr/>
+        <p:nvPr/>
+      </p:nvGrpSpPr>
+      <p:grpSpPr>
+        <a:xfrm>
+          <a:off x="0" y="0"/>
+          <a:ext cx="0" cy="0"/>
+          <a:chOff x="0" y="0"/>
+          <a:chExt cx="0" cy="0"/>
+        </a:xfrm>
+      </p:grpSpPr>
+      <p:sp>
+        <p:nvSpPr>
+          <p:cNvPr id="12290" name="内容占位符 1"/>
+          <p:cNvSpPr>
+            <a:spLocks noGrp="1"/>
+          </p:cNvSpPr>
+          <p:nvPr>
+            <p:ph idx="1"/>
+          </p:nvPr>
+        </p:nvSpPr>
+        <p:spPr>
+          <a:xfrm>
+            <a:off x="428625" y="1143000"/>
+            <a:ext cx="8429625" cy="4525963"/>
+          </a:xfrm>
+        </p:spPr>
+        <p:txBody>
+          <a:bodyPr/>
+          <a:lstStyle/>
+          <a:p>
+            <a:r>
+              <a:rPr lang="zh-CN" altLang="en-US" smtClean="0"/>
+              <a:t>对于资源执行的操作，其操作语义必须由</a:t>
+            </a:r>
+            <a:r>
+              <a:rPr lang="en-US" altLang="zh-CN" smtClean="0"/>
+              <a:t>HTTP</a:t>
+            </a:r>
+            <a:r>
+              <a:rPr lang="zh-CN" altLang="en-US" smtClean="0"/>
+              <a:t>消息体之前的部分完全表达，不能将操作语义封装在</a:t>
+            </a:r>
+            <a:r>
+              <a:rPr lang="en-US" altLang="zh-CN" smtClean="0"/>
+              <a:t>HTTP</a:t>
+            </a:r>
+            <a:r>
+              <a:rPr lang="zh-CN" altLang="en-US" smtClean="0"/>
+              <a:t>消息体内部。</a:t>
+            </a:r>
+          </a:p>
+          <a:p>
+            <a:endParaRPr lang="zh-CN" altLang="en-US" smtClean="0"/>
+          </a:p>
+        </p:txBody>
+      </p:sp>
+      <p:sp>
+        <p:nvSpPr>
+          <p:cNvPr id="3" name="标题 2"/>
+          <p:cNvSpPr>
+            <a:spLocks noGrp="1"/>
+          </p:cNvSpPr>
+          <p:nvPr>
+            <p:ph type="title"/>
+          </p:nvPr>
+        </p:nvSpPr>
+        <p:spPr>
+          <a:xfrm>
+            <a:off x="34925" y="188913"/>
+            <a:ext cx="8229600" cy="571500"/>
+          </a:xfrm>
+        </p:spPr>
+        <p:txBody>
+          <a:bodyPr/>
+          <a:lstStyle/>
+          <a:p>
+            <a:pPr>
+              <a:defRPr/>
+            </a:pPr>
+            <a:r>
+              <a:rPr lang="zh-CN" altLang="en-US" dirty="0" smtClean="0"/>
+              <a:t>统一接口（</a:t>
+            </a:r>
+            <a:r>
+              <a:rPr lang="en-US" altLang="zh-CN" dirty="0" smtClean="0"/>
+              <a:t>Uniform Interface</a:t>
+            </a:r>
+            <a:r>
+              <a:rPr lang="zh-CN" altLang="en-US" dirty="0" smtClean="0"/>
+              <a:t>）</a:t>
+            </a:r>
+            <a:endParaRPr lang="zh-CN" altLang="en-US" dirty="0"/>
+          </a:p>
+        </p:txBody>
+      </p:sp>
+      <p:pic>
+        <p:nvPicPr>
+          <p:cNvPr id="12292" name="Picture 2"/>
+          <p:cNvPicPr>
+            <a:picLocks noChangeAspect="1" noChangeArrowheads="1"/>
+          </p:cNvPicPr>
+          <p:nvPr/>
+        </p:nvPicPr>
+        <p:blipFill>
+          <a:blip r:embed="rId2">
+            <a:extLst>
+              <a:ext uri="{28A0092B-C50C-407E-A947-70E740481C1C}">
+                <a14:useLocalDpi xmlns:a14="http://schemas.microsoft.com/office/drawing/2010/main" val="0"/>
+              </a:ext>
+            </a:extLst>
+          </a:blip>
+          <a:srcRect/>
+          <a:stretch>
+            <a:fillRect/>
+          </a:stretch>
+        </p:blipFill>
+        <p:spPr bwMode="auto">
+          <a:xfrm>
+            <a:off x="1066800" y="2895600"/>
+            <a:ext cx="6343650" cy="2914650"/>
+          </a:xfrm>
+          <a:prstGeom prst="rect">
+            <a:avLst/>
+          </a:prstGeom>
+          <a:noFill/>
+          <a:ln>
+            <a:noFill/>
+          </a:ln>
+          <a:extLst>
+            <a:ext uri="{909E8E84-426E-40DD-AFC4-6F175D3DCCD1}">
+              <a14:hiddenFill xmlns:a14="http://schemas.microsoft.com/office/drawing/2010/main">
+                <a:solidFill>
+                  <a:srgbClr val="FFFFFF"/>
+                </a:solidFill>
+              </a14:hiddenFill>
+            </a:ext>
+            <a:ext uri="{91240B29-F687-4F45-9708-019B960494DF}">
+              <a14:hiddenLine xmlns:a14="http://schemas.microsoft.com/office/drawing/2010/main" w="9525" algn="ctr">
+                <a:solidFill>
+                  <a:srgbClr val="000000"/>
+                </a:solidFill>
+                <a:miter lim="800000"/>
+                <a:headEnd/>
+                <a:tailEnd/>
+              </a14:hiddenLine>
+            </a:ext>
+          </a:extLst>
+        </p:spPr>
+      </p:pic>
+    </p:spTree>
+    <p:extLst>
+      <p:ext uri="{BB962C8B-B14F-4D97-AF65-F5344CB8AC3E}">
+        <p14:creationId xmlns:p14="http://schemas.microsoft.com/office/powerpoint/2010/main" val="1831961772"/>
+      </p:ext>
+    </p:extLst>
+  </p:cSld>
+  <p:clrMapOvr>
+    <a:masterClrMapping/>
+  </p:clrMapOvr>
+  <p:timing>
+    <p:tnLst>
+      <p:par>
+        <p:cTn id="1" dur="indefinite" restart="never" nodeType="tmRoot"/>
+      </p:par>
+    </p:tnLst>
+  </p:timing>
+</p:sld>
+</file>
+
+<file path=ppt/slides/slide9.xml><?xml version="1.0" encoding="utf-8"?>
 <p:sld xmlns:a="http://schemas.openxmlformats.org/drawingml/2006/main" xmlns:r="http://schemas.openxmlformats.org/officeDocument/2006/relationships" xmlns:p="http://schemas.openxmlformats.org/presentationml/2006/main">
   <p:cSld>
     <p:spTree>

--- a/spring/docs/09-spring-rest.pptx
+++ b/spring/docs/09-spring-rest.pptx
@@ -201,7 +201,7 @@
           <a:p>
             <a:fld id="{D6CB015B-B7FF-4093-8E19-9AD7339689D2}" type="datetimeFigureOut">
               <a:rPr lang="zh-CN" altLang="en-US" smtClean="0"/>
-              <a:t>2017/12/22</a:t>
+              <a:t>2017/12/25</a:t>
             </a:fld>
             <a:endParaRPr lang="zh-CN" altLang="en-US"/>
           </a:p>
@@ -2171,7 +2171,7 @@
             <a:fld id="{B35E7478-ADE7-4480-A214-01473DFE0029}" type="datetimeFigureOut">
               <a:rPr lang="zh-CN" altLang="en-US" smtClean="0"/>
               <a:pPr/>
-              <a:t>2017/12/22</a:t>
+              <a:t>2017/12/25</a:t>
             </a:fld>
             <a:endParaRPr lang="zh-CN" altLang="en-US"/>
           </a:p>
@@ -6036,7 +6036,7 @@
             <a:fld id="{B35E7478-ADE7-4480-A214-01473DFE0029}" type="datetimeFigureOut">
               <a:rPr lang="zh-CN" altLang="en-US" smtClean="0"/>
               <a:pPr/>
-              <a:t>2017/12/22</a:t>
+              <a:t>2017/12/25</a:t>
             </a:fld>
             <a:endParaRPr lang="zh-CN" altLang="en-US"/>
           </a:p>
@@ -7704,7 +7704,7 @@
             <a:fld id="{B35E7478-ADE7-4480-A214-01473DFE0029}" type="datetimeFigureOut">
               <a:rPr lang="zh-CN" altLang="en-US" smtClean="0"/>
               <a:pPr/>
-              <a:t>2017/12/22</a:t>
+              <a:t>2017/12/25</a:t>
             </a:fld>
             <a:endParaRPr lang="zh-CN" altLang="en-US"/>
           </a:p>
@@ -12008,7 +12008,7 @@
                 </a:solidFill>
               </a:rPr>
               <a:pPr/>
-              <a:t>2017/12/22</a:t>
+              <a:t>2017/12/25</a:t>
             </a:fld>
             <a:endParaRPr lang="zh-CN" altLang="en-US">
               <a:solidFill>
@@ -15926,7 +15926,7 @@
                 </a:solidFill>
               </a:rPr>
               <a:pPr/>
-              <a:t>2017/12/22</a:t>
+              <a:t>2017/12/25</a:t>
             </a:fld>
             <a:endParaRPr lang="zh-CN" altLang="en-US">
               <a:solidFill>
@@ -21777,7 +21777,7 @@
                 </a:solidFill>
               </a:rPr>
               <a:pPr/>
-              <a:t>2017/12/22</a:t>
+              <a:t>2017/12/25</a:t>
             </a:fld>
             <a:endParaRPr lang="zh-CN" altLang="en-US">
               <a:solidFill>
@@ -22367,7 +22367,7 @@
                 </a:solidFill>
               </a:rPr>
               <a:pPr/>
-              <a:t>2017/12/22</a:t>
+              <a:t>2017/12/25</a:t>
             </a:fld>
             <a:endParaRPr lang="zh-CN" altLang="en-US">
               <a:solidFill>
@@ -26071,7 +26071,7 @@
                 </a:solidFill>
               </a:rPr>
               <a:pPr/>
-              <a:t>2017/12/22</a:t>
+              <a:t>2017/12/25</a:t>
             </a:fld>
             <a:endParaRPr lang="zh-CN" altLang="en-US">
               <a:solidFill>
@@ -26205,7 +26205,7 @@
                 </a:solidFill>
               </a:rPr>
               <a:pPr/>
-              <a:t>2017/12/22</a:t>
+              <a:t>2017/12/25</a:t>
             </a:fld>
             <a:endParaRPr lang="zh-CN" altLang="en-US">
               <a:solidFill>
@@ -27034,7 +27034,7 @@
             <a:fld id="{B35E7478-ADE7-4480-A214-01473DFE0029}" type="datetimeFigureOut">
               <a:rPr lang="zh-CN" altLang="en-US" smtClean="0"/>
               <a:pPr/>
-              <a:t>2017/12/22</a:t>
+              <a:t>2017/12/25</a:t>
             </a:fld>
             <a:endParaRPr lang="zh-CN" altLang="en-US"/>
           </a:p>
@@ -32362,7 +32362,7 @@
             <a:fld id="{B35E7478-ADE7-4480-A214-01473DFE0029}" type="datetimeFigureOut">
               <a:rPr lang="zh-CN" altLang="en-US" smtClean="0"/>
               <a:pPr/>
-              <a:t>2017/12/22</a:t>
+              <a:t>2017/12/25</a:t>
             </a:fld>
             <a:endParaRPr lang="zh-CN" altLang="en-US"/>
           </a:p>
@@ -37716,7 +37716,7 @@
             <a:fld id="{B35E7478-ADE7-4480-A214-01473DFE0029}" type="datetimeFigureOut">
               <a:rPr lang="zh-CN" altLang="en-US" smtClean="0"/>
               <a:pPr/>
-              <a:t>2017/12/22</a:t>
+              <a:t>2017/12/25</a:t>
             </a:fld>
             <a:endParaRPr lang="zh-CN" altLang="en-US"/>
           </a:p>
@@ -37813,7 +37813,7 @@
             <a:fld id="{B35E7478-ADE7-4480-A214-01473DFE0029}" type="datetimeFigureOut">
               <a:rPr lang="zh-CN" altLang="en-US" smtClean="0"/>
               <a:pPr/>
-              <a:t>2017/12/22</a:t>
+              <a:t>2017/12/25</a:t>
             </a:fld>
             <a:endParaRPr lang="zh-CN" altLang="en-US"/>
           </a:p>
@@ -38099,7 +38099,7 @@
             <a:fld id="{B35E7478-ADE7-4480-A214-01473DFE0029}" type="datetimeFigureOut">
               <a:rPr lang="zh-CN" altLang="en-US" smtClean="0"/>
               <a:pPr/>
-              <a:t>2017/12/22</a:t>
+              <a:t>2017/12/25</a:t>
             </a:fld>
             <a:endParaRPr lang="zh-CN" altLang="en-US"/>
           </a:p>
@@ -38354,7 +38354,7 @@
             <a:fld id="{B35E7478-ADE7-4480-A214-01473DFE0029}" type="datetimeFigureOut">
               <a:rPr lang="zh-CN" altLang="en-US" smtClean="0"/>
               <a:pPr/>
-              <a:t>2017/12/22</a:t>
+              <a:t>2017/12/25</a:t>
             </a:fld>
             <a:endParaRPr lang="zh-CN" altLang="en-US"/>
           </a:p>
@@ -38526,7 +38526,7 @@
             <a:fld id="{B35E7478-ADE7-4480-A214-01473DFE0029}" type="datetimeFigureOut">
               <a:rPr lang="zh-CN" altLang="en-US" smtClean="0"/>
               <a:pPr/>
-              <a:t>2017/12/22</a:t>
+              <a:t>2017/12/25</a:t>
             </a:fld>
             <a:endParaRPr lang="zh-CN" altLang="en-US"/>
           </a:p>
@@ -38753,7 +38753,7 @@
             <a:fld id="{B35E7478-ADE7-4480-A214-01473DFE0029}" type="datetimeFigureOut">
               <a:rPr lang="zh-CN" altLang="en-US" smtClean="0"/>
               <a:pPr/>
-              <a:t>2017/12/22</a:t>
+              <a:t>2017/12/25</a:t>
             </a:fld>
             <a:endParaRPr lang="zh-CN" altLang="en-US"/>
           </a:p>
@@ -39289,7 +39289,7 @@
                 </a:solidFill>
               </a:rPr>
               <a:pPr/>
-              <a:t>2017/12/22</a:t>
+              <a:t>2017/12/25</a:t>
             </a:fld>
             <a:endParaRPr lang="zh-CN" altLang="en-US">
               <a:solidFill>
@@ -39919,7 +39919,9 @@
           </a:xfrm>
         </p:spPr>
         <p:txBody>
-          <a:bodyPr/>
+          <a:bodyPr>
+            <a:normAutofit fontScale="90000"/>
+          </a:bodyPr>
           <a:lstStyle/>
           <a:p>
             <a:pPr eaLnBrk="1" hangingPunct="1">
@@ -40092,6 +40094,7 @@
             <a:prstTxWarp prst="textNoShape">
               <a:avLst/>
             </a:prstTxWarp>
+            <a:normAutofit fontScale="90000"/>
           </a:bodyPr>
           <a:lstStyle/>
           <a:p>
@@ -40268,7 +40271,9 @@
           </a:xfrm>
         </p:spPr>
         <p:txBody>
-          <a:bodyPr/>
+          <a:bodyPr>
+            <a:normAutofit fontScale="90000"/>
+          </a:bodyPr>
           <a:lstStyle/>
           <a:p>
             <a:pPr>
@@ -40388,7 +40393,9 @@
           </a:xfrm>
         </p:spPr>
         <p:txBody>
-          <a:bodyPr/>
+          <a:bodyPr>
+            <a:normAutofit fontScale="90000"/>
+          </a:bodyPr>
           <a:lstStyle/>
           <a:p>
             <a:pPr>
@@ -40464,7 +40471,9 @@
           </a:xfrm>
         </p:spPr>
         <p:txBody>
-          <a:bodyPr/>
+          <a:bodyPr>
+            <a:normAutofit lnSpcReduction="10000"/>
+          </a:bodyPr>
           <a:lstStyle/>
           <a:p>
             <a:r>
@@ -40567,7 +40576,9 @@
           </a:xfrm>
         </p:spPr>
         <p:txBody>
-          <a:bodyPr/>
+          <a:bodyPr>
+            <a:normAutofit fontScale="90000"/>
+          </a:bodyPr>
           <a:lstStyle/>
           <a:p>
             <a:pPr>
@@ -40628,7 +40639,7 @@
       </p:grpSpPr>
       <p:sp>
         <p:nvSpPr>
-          <p:cNvPr id="11266" name="内容占位符 1"/>
+          <p:cNvPr id="18434" name="内容占位符 1"/>
           <p:cNvSpPr>
             <a:spLocks noGrp="1"/>
           </p:cNvSpPr>
@@ -40648,34 +40659,86 @@
           <a:p>
             <a:r>
               <a:rPr lang="zh-CN" altLang="en-US" smtClean="0"/>
-              <a:t>通过统一的接口来对资源执行各种操作。</a:t>
+              <a:t>面向资源（</a:t>
             </a:r>
-            <a:endParaRPr lang="en-US" altLang="zh-CN" smtClean="0"/>
-          </a:p>
-          <a:p>
-            <a:pPr lvl="1"/>
             <a:r>
-              <a:rPr lang="en-US" altLang="zh-CN" sz="2400" smtClean="0"/>
-              <a:t>HEAD</a:t>
+              <a:rPr lang="en-US" altLang="zh-CN" smtClean="0"/>
+              <a:t>Resource Oriented</a:t>
+            </a:r>
+            <a:r>
+              <a:rPr lang="zh-CN" altLang="en-US" smtClean="0"/>
+              <a:t>）</a:t>
             </a:r>
           </a:p>
           <a:p>
-            <a:pPr lvl="1"/>
             <a:r>
-              <a:rPr lang="en-US" altLang="zh-CN" sz="2400" smtClean="0"/>
-              <a:t>OPTIONS</a:t>
+              <a:rPr lang="zh-CN" altLang="en-US" smtClean="0"/>
+              <a:t>可寻址（</a:t>
+            </a:r>
+            <a:r>
+              <a:rPr lang="en-US" altLang="zh-CN" smtClean="0"/>
+              <a:t>Addressability</a:t>
+            </a:r>
+            <a:r>
+              <a:rPr lang="zh-CN" altLang="en-US" smtClean="0"/>
+              <a:t>）</a:t>
             </a:r>
           </a:p>
           <a:p>
-            <a:pPr lvl="2"/>
             <a:r>
-              <a:rPr lang="zh-CN" altLang="en-US" sz="2000" smtClean="0"/>
-              <a:t>查看资源允许哪些操作</a:t>
+              <a:rPr lang="zh-CN" altLang="en-US" smtClean="0"/>
+              <a:t>连通性（</a:t>
             </a:r>
-            <a:endParaRPr lang="en-US" altLang="zh-CN" sz="2000" smtClean="0"/>
+            <a:r>
+              <a:rPr lang="en-US" altLang="zh-CN" smtClean="0"/>
+              <a:t>Connectedness</a:t>
+            </a:r>
+            <a:r>
+              <a:rPr lang="zh-CN" altLang="en-US" smtClean="0"/>
+              <a:t>）</a:t>
+            </a:r>
           </a:p>
           <a:p>
-            <a:endParaRPr lang="zh-CN" altLang="en-US" smtClean="0"/>
+            <a:r>
+              <a:rPr lang="zh-CN" altLang="en-US" smtClean="0"/>
+              <a:t>无状态（</a:t>
+            </a:r>
+            <a:r>
+              <a:rPr lang="en-US" altLang="zh-CN" smtClean="0"/>
+              <a:t>Statelessness</a:t>
+            </a:r>
+            <a:r>
+              <a:rPr lang="zh-CN" altLang="en-US" smtClean="0"/>
+              <a:t>）</a:t>
+            </a:r>
+          </a:p>
+          <a:p>
+            <a:r>
+              <a:rPr lang="zh-CN" altLang="en-US" smtClean="0"/>
+              <a:t>统一接口（</a:t>
+            </a:r>
+            <a:r>
+              <a:rPr lang="en-US" altLang="zh-CN" smtClean="0"/>
+              <a:t>Uniform Interface</a:t>
+            </a:r>
+            <a:r>
+              <a:rPr lang="zh-CN" altLang="en-US" smtClean="0"/>
+              <a:t>）</a:t>
+            </a:r>
+          </a:p>
+          <a:p>
+            <a:r>
+              <a:rPr lang="zh-CN" altLang="en-US" smtClean="0"/>
+              <a:t>超文本驱动（</a:t>
+            </a:r>
+            <a:r>
+              <a:rPr lang="en-US" altLang="zh-CN" smtClean="0"/>
+              <a:t>Hypertext Driven</a:t>
+            </a:r>
+            <a:r>
+              <a:rPr lang="zh-CN" altLang="en-US" smtClean="0"/>
+              <a:t>）</a:t>
+            </a:r>
           </a:p>
         </p:txBody>
       </p:sp>
@@ -40696,86 +40759,30 @@
           </a:xfrm>
         </p:spPr>
         <p:txBody>
-          <a:bodyPr/>
+          <a:bodyPr>
+            <a:normAutofit fontScale="90000"/>
+          </a:bodyPr>
           <a:lstStyle/>
           <a:p>
             <a:pPr>
               <a:defRPr/>
             </a:pPr>
             <a:r>
-              <a:rPr lang="zh-CN" altLang="en-US" dirty="0" smtClean="0"/>
-              <a:t>统一接口（</a:t>
-            </a:r>
-            <a:r>
               <a:rPr lang="en-US" altLang="zh-CN" dirty="0" smtClean="0"/>
-              <a:t>Uniform Interface</a:t>
+              <a:t>REST</a:t>
             </a:r>
             <a:r>
               <a:rPr lang="zh-CN" altLang="en-US" dirty="0" smtClean="0"/>
-              <a:t>）</a:t>
+              <a:t>风格的架构的主要特征</a:t>
             </a:r>
             <a:endParaRPr lang="zh-CN" altLang="en-US" dirty="0"/>
           </a:p>
         </p:txBody>
       </p:sp>
-      <p:pic>
-        <p:nvPicPr>
-          <p:cNvPr id="11268" name="Picture 2"/>
-          <p:cNvPicPr>
-            <a:picLocks noChangeAspect="1" noChangeArrowheads="1"/>
-          </p:cNvPicPr>
-          <p:nvPr/>
-        </p:nvPicPr>
-        <p:blipFill>
-          <a:blip r:embed="rId2">
-            <a:extLst>
-              <a:ext uri="{28A0092B-C50C-407E-A947-70E740481C1C}">
-                <a14:useLocalDpi xmlns:a14="http://schemas.microsoft.com/office/drawing/2010/main" val="0"/>
-              </a:ext>
-            </a:extLst>
-          </a:blip>
-          <a:srcRect/>
-          <a:stretch>
-            <a:fillRect/>
-          </a:stretch>
-        </p:blipFill>
-        <p:spPr bwMode="auto">
-          <a:xfrm>
-            <a:off x="1600200" y="3200400"/>
-            <a:ext cx="5448300" cy="657225"/>
-          </a:xfrm>
-          <a:prstGeom prst="rect">
-            <a:avLst/>
-          </a:prstGeom>
-          <a:noFill/>
-          <a:ln>
-            <a:noFill/>
-          </a:ln>
-          <a:extLst>
-            <a:ext uri="{909E8E84-426E-40DD-AFC4-6F175D3DCCD1}">
-              <a14:hiddenFill xmlns:a14="http://schemas.microsoft.com/office/drawing/2010/main">
-                <a:solidFill>
-                  <a:srgbClr val="FFFFFF"/>
-                </a:solidFill>
-              </a14:hiddenFill>
-            </a:ext>
-            <a:ext uri="{91240B29-F687-4F45-9708-019B960494DF}">
-              <a14:hiddenLine xmlns:a14="http://schemas.microsoft.com/office/drawing/2010/main" w="9525" algn="ctr">
-                <a:solidFill>
-                  <a:srgbClr val="000000"/>
-                </a:solidFill>
-                <a:miter lim="800000"/>
-                <a:headEnd/>
-                <a:tailEnd/>
-              </a14:hiddenLine>
-            </a:ext>
-          </a:extLst>
-        </p:spPr>
-      </p:pic>
     </p:spTree>
     <p:extLst>
       <p:ext uri="{BB962C8B-B14F-4D97-AF65-F5344CB8AC3E}">
-        <p14:creationId xmlns:p14="http://schemas.microsoft.com/office/powerpoint/2010/main" val="727708647"/>
+        <p14:creationId xmlns:p14="http://schemas.microsoft.com/office/powerpoint/2010/main" val="1341155052"/>
       </p:ext>
     </p:extLst>
   </p:cSld>
@@ -40811,7 +40818,32 @@
       </p:grpSpPr>
       <p:sp>
         <p:nvSpPr>
-          <p:cNvPr id="12290" name="内容占位符 1"/>
+          <p:cNvPr id="2" name="标题 1"/>
+          <p:cNvSpPr>
+            <a:spLocks noGrp="1"/>
+          </p:cNvSpPr>
+          <p:nvPr>
+            <p:ph type="title"/>
+          </p:nvPr>
+        </p:nvSpPr>
+        <p:spPr/>
+        <p:txBody>
+          <a:bodyPr>
+            <a:normAutofit fontScale="90000"/>
+          </a:bodyPr>
+          <a:lstStyle/>
+          <a:p>
+            <a:r>
+              <a:rPr lang="en-US" altLang="zh-CN" dirty="0" smtClean="0"/>
+              <a:t>Spring MVC &amp; REST</a:t>
+            </a:r>
+            <a:endParaRPr lang="zh-CN" altLang="en-US" dirty="0"/>
+          </a:p>
+        </p:txBody>
+      </p:sp>
+      <p:sp>
+        <p:nvSpPr>
+          <p:cNvPr id="3" name="内容占位符 2"/>
           <p:cNvSpPr>
             <a:spLocks noGrp="1"/>
           </p:cNvSpPr>
@@ -40819,152 +40851,33 @@
             <p:ph idx="1"/>
           </p:nvPr>
         </p:nvSpPr>
-        <p:spPr>
-          <a:xfrm>
-            <a:off x="428625" y="1143000"/>
-            <a:ext cx="8429625" cy="4525963"/>
-          </a:xfrm>
-        </p:spPr>
+        <p:spPr/>
         <p:txBody>
           <a:bodyPr/>
           <a:lstStyle/>
           <a:p>
             <a:r>
-              <a:rPr lang="zh-CN" altLang="en-US" smtClean="0"/>
-              <a:t>对于资源执行的操作，其操作语义必须由</a:t>
+              <a:rPr lang="en-US" altLang="zh-CN" dirty="0"/>
+              <a:t>@</a:t>
             </a:r>
             <a:r>
-              <a:rPr lang="en-US" altLang="zh-CN" smtClean="0"/>
-              <a:t>HTTP</a:t>
-            </a:r>
-            <a:r>
-              <a:rPr lang="zh-CN" altLang="en-US" smtClean="0"/>
-              <a:t>消息体之前的部分完全表达，不能将操作语义封装在</a:t>
-            </a:r>
-            <a:r>
-              <a:rPr lang="en-US" altLang="zh-CN" smtClean="0"/>
-              <a:t>HTTP</a:t>
-            </a:r>
-            <a:r>
-              <a:rPr lang="zh-CN" altLang="en-US" smtClean="0"/>
-              <a:t>消息体内部。</a:t>
-            </a:r>
-          </a:p>
-          <a:p>
-            <a:endParaRPr lang="zh-CN" altLang="en-US" smtClean="0"/>
-          </a:p>
-        </p:txBody>
-      </p:sp>
-      <p:sp>
-        <p:nvSpPr>
-          <p:cNvPr id="3" name="标题 2"/>
-          <p:cNvSpPr>
-            <a:spLocks noGrp="1"/>
-          </p:cNvSpPr>
-          <p:nvPr>
-            <p:ph type="title"/>
-          </p:nvPr>
-        </p:nvSpPr>
-        <p:spPr>
-          <a:xfrm>
-            <a:off x="34925" y="188913"/>
-            <a:ext cx="8229600" cy="571500"/>
-          </a:xfrm>
-        </p:spPr>
-        <p:txBody>
-          <a:bodyPr/>
-          <a:lstStyle/>
-          <a:p>
-            <a:pPr>
-              <a:defRPr/>
-            </a:pPr>
-            <a:r>
-              <a:rPr lang="zh-CN" altLang="en-US" dirty="0" smtClean="0"/>
-              <a:t>统一接口（</a:t>
-            </a:r>
-            <a:r>
-              <a:rPr lang="en-US" altLang="zh-CN" dirty="0" smtClean="0"/>
-              <a:t>Uniform Interface</a:t>
-            </a:r>
-            <a:r>
-              <a:rPr lang="zh-CN" altLang="en-US" dirty="0" smtClean="0"/>
-              <a:t>）</a:t>
+              <a:rPr lang="en-US" altLang="zh-CN" dirty="0" err="1"/>
+              <a:t>RestController</a:t>
             </a:r>
             <a:endParaRPr lang="zh-CN" altLang="en-US" dirty="0"/>
           </a:p>
         </p:txBody>
       </p:sp>
-      <p:pic>
-        <p:nvPicPr>
-          <p:cNvPr id="12292" name="Picture 2"/>
-          <p:cNvPicPr>
-            <a:picLocks noChangeAspect="1" noChangeArrowheads="1"/>
-          </p:cNvPicPr>
-          <p:nvPr/>
-        </p:nvPicPr>
-        <p:blipFill>
-          <a:blip r:embed="rId2">
-            <a:extLst>
-              <a:ext uri="{28A0092B-C50C-407E-A947-70E740481C1C}">
-                <a14:useLocalDpi xmlns:a14="http://schemas.microsoft.com/office/drawing/2010/main" val="0"/>
-              </a:ext>
-            </a:extLst>
-          </a:blip>
-          <a:srcRect/>
-          <a:stretch>
-            <a:fillRect/>
-          </a:stretch>
-        </p:blipFill>
-        <p:spPr bwMode="auto">
-          <a:xfrm>
-            <a:off x="1066800" y="2895600"/>
-            <a:ext cx="6343650" cy="2914650"/>
-          </a:xfrm>
-          <a:prstGeom prst="rect">
-            <a:avLst/>
-          </a:prstGeom>
-          <a:noFill/>
-          <a:ln>
-            <a:noFill/>
-          </a:ln>
-          <a:extLst>
-            <a:ext uri="{909E8E84-426E-40DD-AFC4-6F175D3DCCD1}">
-              <a14:hiddenFill xmlns:a14="http://schemas.microsoft.com/office/drawing/2010/main">
-                <a:solidFill>
-                  <a:srgbClr val="FFFFFF"/>
-                </a:solidFill>
-              </a14:hiddenFill>
-            </a:ext>
-            <a:ext uri="{91240B29-F687-4F45-9708-019B960494DF}">
-              <a14:hiddenLine xmlns:a14="http://schemas.microsoft.com/office/drawing/2010/main" w="9525" algn="ctr">
-                <a:solidFill>
-                  <a:srgbClr val="000000"/>
-                </a:solidFill>
-                <a:miter lim="800000"/>
-                <a:headEnd/>
-                <a:tailEnd/>
-              </a14:hiddenLine>
-            </a:ext>
-          </a:extLst>
-        </p:spPr>
-      </p:pic>
     </p:spTree>
     <p:extLst>
       <p:ext uri="{BB962C8B-B14F-4D97-AF65-F5344CB8AC3E}">
-        <p14:creationId xmlns:p14="http://schemas.microsoft.com/office/powerpoint/2010/main" val="1831961772"/>
+        <p14:creationId xmlns:p14="http://schemas.microsoft.com/office/powerpoint/2010/main" val="350654717"/>
       </p:ext>
     </p:extLst>
   </p:cSld>
   <p:clrMapOvr>
     <a:masterClrMapping/>
   </p:clrMapOvr>
-  <p:timing>
-    <p:tnLst>
-      <p:par>
-        <p:cTn id="1" dur="indefinite" restart="never" nodeType="tmRoot"/>
-      </p:par>
-    </p:tnLst>
-  </p:timing>
 </p:sld>
 </file>
 

--- a/spring/docs/09-spring-rest.pptx
+++ b/spring/docs/09-spring-rest.pptx
@@ -201,7 +201,7 @@
           <a:p>
             <a:fld id="{D6CB015B-B7FF-4093-8E19-9AD7339689D2}" type="datetimeFigureOut">
               <a:rPr lang="zh-CN" altLang="en-US" smtClean="0"/>
-              <a:t>2017/12/25</a:t>
+              <a:t>2017/12/26</a:t>
             </a:fld>
             <a:endParaRPr lang="zh-CN" altLang="en-US"/>
           </a:p>
@@ -2171,7 +2171,7 @@
             <a:fld id="{B35E7478-ADE7-4480-A214-01473DFE0029}" type="datetimeFigureOut">
               <a:rPr lang="zh-CN" altLang="en-US" smtClean="0"/>
               <a:pPr/>
-              <a:t>2017/12/25</a:t>
+              <a:t>2017/12/26</a:t>
             </a:fld>
             <a:endParaRPr lang="zh-CN" altLang="en-US"/>
           </a:p>
@@ -6036,7 +6036,7 @@
             <a:fld id="{B35E7478-ADE7-4480-A214-01473DFE0029}" type="datetimeFigureOut">
               <a:rPr lang="zh-CN" altLang="en-US" smtClean="0"/>
               <a:pPr/>
-              <a:t>2017/12/25</a:t>
+              <a:t>2017/12/26</a:t>
             </a:fld>
             <a:endParaRPr lang="zh-CN" altLang="en-US"/>
           </a:p>
@@ -7704,7 +7704,7 @@
             <a:fld id="{B35E7478-ADE7-4480-A214-01473DFE0029}" type="datetimeFigureOut">
               <a:rPr lang="zh-CN" altLang="en-US" smtClean="0"/>
               <a:pPr/>
-              <a:t>2017/12/25</a:t>
+              <a:t>2017/12/26</a:t>
             </a:fld>
             <a:endParaRPr lang="zh-CN" altLang="en-US"/>
           </a:p>
@@ -12008,7 +12008,7 @@
                 </a:solidFill>
               </a:rPr>
               <a:pPr/>
-              <a:t>2017/12/25</a:t>
+              <a:t>2017/12/26</a:t>
             </a:fld>
             <a:endParaRPr lang="zh-CN" altLang="en-US">
               <a:solidFill>
@@ -15926,7 +15926,7 @@
                 </a:solidFill>
               </a:rPr>
               <a:pPr/>
-              <a:t>2017/12/25</a:t>
+              <a:t>2017/12/26</a:t>
             </a:fld>
             <a:endParaRPr lang="zh-CN" altLang="en-US">
               <a:solidFill>
@@ -21777,7 +21777,7 @@
                 </a:solidFill>
               </a:rPr>
               <a:pPr/>
-              <a:t>2017/12/25</a:t>
+              <a:t>2017/12/26</a:t>
             </a:fld>
             <a:endParaRPr lang="zh-CN" altLang="en-US">
               <a:solidFill>
@@ -22367,7 +22367,7 @@
                 </a:solidFill>
               </a:rPr>
               <a:pPr/>
-              <a:t>2017/12/25</a:t>
+              <a:t>2017/12/26</a:t>
             </a:fld>
             <a:endParaRPr lang="zh-CN" altLang="en-US">
               <a:solidFill>
@@ -26071,7 +26071,7 @@
                 </a:solidFill>
               </a:rPr>
               <a:pPr/>
-              <a:t>2017/12/25</a:t>
+              <a:t>2017/12/26</a:t>
             </a:fld>
             <a:endParaRPr lang="zh-CN" altLang="en-US">
               <a:solidFill>
@@ -26205,7 +26205,7 @@
                 </a:solidFill>
               </a:rPr>
               <a:pPr/>
-              <a:t>2017/12/25</a:t>
+              <a:t>2017/12/26</a:t>
             </a:fld>
             <a:endParaRPr lang="zh-CN" altLang="en-US">
               <a:solidFill>
@@ -27034,7 +27034,7 @@
             <a:fld id="{B35E7478-ADE7-4480-A214-01473DFE0029}" type="datetimeFigureOut">
               <a:rPr lang="zh-CN" altLang="en-US" smtClean="0"/>
               <a:pPr/>
-              <a:t>2017/12/25</a:t>
+              <a:t>2017/12/26</a:t>
             </a:fld>
             <a:endParaRPr lang="zh-CN" altLang="en-US"/>
           </a:p>
@@ -32362,7 +32362,7 @@
             <a:fld id="{B35E7478-ADE7-4480-A214-01473DFE0029}" type="datetimeFigureOut">
               <a:rPr lang="zh-CN" altLang="en-US" smtClean="0"/>
               <a:pPr/>
-              <a:t>2017/12/25</a:t>
+              <a:t>2017/12/26</a:t>
             </a:fld>
             <a:endParaRPr lang="zh-CN" altLang="en-US"/>
           </a:p>
@@ -37716,7 +37716,7 @@
             <a:fld id="{B35E7478-ADE7-4480-A214-01473DFE0029}" type="datetimeFigureOut">
               <a:rPr lang="zh-CN" altLang="en-US" smtClean="0"/>
               <a:pPr/>
-              <a:t>2017/12/25</a:t>
+              <a:t>2017/12/26</a:t>
             </a:fld>
             <a:endParaRPr lang="zh-CN" altLang="en-US"/>
           </a:p>
@@ -37813,7 +37813,7 @@
             <a:fld id="{B35E7478-ADE7-4480-A214-01473DFE0029}" type="datetimeFigureOut">
               <a:rPr lang="zh-CN" altLang="en-US" smtClean="0"/>
               <a:pPr/>
-              <a:t>2017/12/25</a:t>
+              <a:t>2017/12/26</a:t>
             </a:fld>
             <a:endParaRPr lang="zh-CN" altLang="en-US"/>
           </a:p>
@@ -38099,7 +38099,7 @@
             <a:fld id="{B35E7478-ADE7-4480-A214-01473DFE0029}" type="datetimeFigureOut">
               <a:rPr lang="zh-CN" altLang="en-US" smtClean="0"/>
               <a:pPr/>
-              <a:t>2017/12/25</a:t>
+              <a:t>2017/12/26</a:t>
             </a:fld>
             <a:endParaRPr lang="zh-CN" altLang="en-US"/>
           </a:p>
@@ -38354,7 +38354,7 @@
             <a:fld id="{B35E7478-ADE7-4480-A214-01473DFE0029}" type="datetimeFigureOut">
               <a:rPr lang="zh-CN" altLang="en-US" smtClean="0"/>
               <a:pPr/>
-              <a:t>2017/12/25</a:t>
+              <a:t>2017/12/26</a:t>
             </a:fld>
             <a:endParaRPr lang="zh-CN" altLang="en-US"/>
           </a:p>
@@ -38526,7 +38526,7 @@
             <a:fld id="{B35E7478-ADE7-4480-A214-01473DFE0029}" type="datetimeFigureOut">
               <a:rPr lang="zh-CN" altLang="en-US" smtClean="0"/>
               <a:pPr/>
-              <a:t>2017/12/25</a:t>
+              <a:t>2017/12/26</a:t>
             </a:fld>
             <a:endParaRPr lang="zh-CN" altLang="en-US"/>
           </a:p>
@@ -38753,7 +38753,7 @@
             <a:fld id="{B35E7478-ADE7-4480-A214-01473DFE0029}" type="datetimeFigureOut">
               <a:rPr lang="zh-CN" altLang="en-US" smtClean="0"/>
               <a:pPr/>
-              <a:t>2017/12/25</a:t>
+              <a:t>2017/12/26</a:t>
             </a:fld>
             <a:endParaRPr lang="zh-CN" altLang="en-US"/>
           </a:p>
@@ -39289,7 +39289,7 @@
                 </a:solidFill>
               </a:rPr>
               <a:pPr/>
-              <a:t>2017/12/25</a:t>
+              <a:t>2017/12/26</a:t>
             </a:fld>
             <a:endParaRPr lang="zh-CN" altLang="en-US">
               <a:solidFill>
@@ -40861,8 +40861,15 @@
               <a:t>@</a:t>
             </a:r>
             <a:r>
-              <a:rPr lang="en-US" altLang="zh-CN" dirty="0" err="1"/>
+              <a:rPr lang="en-US" altLang="zh-CN" dirty="0" err="1" smtClean="0"/>
               <a:t>RestController</a:t>
+            </a:r>
+            <a:endParaRPr lang="en-US" altLang="zh-CN" dirty="0" smtClean="0"/>
+          </a:p>
+          <a:p>
+            <a:r>
+              <a:rPr lang="en-US" altLang="zh-CN"/>
+              <a:t>ResponseEntity</a:t>
             </a:r>
             <a:endParaRPr lang="zh-CN" altLang="en-US" dirty="0"/>
           </a:p>
